--- a/06.Report/00 - info + objs/plots.pptx
+++ b/06.Report/00 - info + objs/plots.pptx
@@ -6,6 +6,12 @@
   </p:sldMasterIdLst>
   <p:sldIdLst>
     <p:sldId id="256" r:id="rId2"/>
+    <p:sldId id="257" r:id="rId3"/>
+    <p:sldId id="258" r:id="rId4"/>
+    <p:sldId id="259" r:id="rId5"/>
+    <p:sldId id="260" r:id="rId6"/>
+    <p:sldId id="261" r:id="rId7"/>
+    <p:sldId id="262" r:id="rId8"/>
   </p:sldIdLst>
   <p:sldSz cx="12192000" cy="6858000"/>
   <p:notesSz cx="6858000" cy="9144000"/>
@@ -110,9 +116,18 @@
         <p14:section name="boxplots" id="{E720944A-F828-4615-B3A8-25F4B0E7315D}">
           <p14:sldIdLst>
             <p14:sldId id="256"/>
+            <p14:sldId id="257"/>
+            <p14:sldId id="258"/>
+            <p14:sldId id="259"/>
+            <p14:sldId id="260"/>
+            <p14:sldId id="261"/>
+            <p14:sldId id="262"/>
           </p14:sldIdLst>
         </p14:section>
       </p14:sectionLst>
+    </p:ext>
+    <p:ext uri="{EFAFB233-063F-42B5-8137-9DF3F51BA10A}">
+      <p15:sldGuideLst xmlns:p15="http://schemas.microsoft.com/office/powerpoint/2012/main"/>
     </p:ext>
   </p:extLst>
 </p:presentation>
@@ -267,7 +282,7 @@
           <a:p>
             <a:fld id="{FD09C4DE-232F-4D24-8E78-9457AE5744AC}" type="datetimeFigureOut">
               <a:rPr lang="en-SG" smtClean="0"/>
-              <a:t>4/3/2019</a:t>
+              <a:t>10/3/2019</a:t>
             </a:fld>
             <a:endParaRPr lang="en-SG"/>
           </a:p>
@@ -467,7 +482,7 @@
           <a:p>
             <a:fld id="{FD09C4DE-232F-4D24-8E78-9457AE5744AC}" type="datetimeFigureOut">
               <a:rPr lang="en-SG" smtClean="0"/>
-              <a:t>4/3/2019</a:t>
+              <a:t>10/3/2019</a:t>
             </a:fld>
             <a:endParaRPr lang="en-SG"/>
           </a:p>
@@ -677,7 +692,7 @@
           <a:p>
             <a:fld id="{FD09C4DE-232F-4D24-8E78-9457AE5744AC}" type="datetimeFigureOut">
               <a:rPr lang="en-SG" smtClean="0"/>
-              <a:t>4/3/2019</a:t>
+              <a:t>10/3/2019</a:t>
             </a:fld>
             <a:endParaRPr lang="en-SG"/>
           </a:p>
@@ -877,7 +892,7 @@
           <a:p>
             <a:fld id="{FD09C4DE-232F-4D24-8E78-9457AE5744AC}" type="datetimeFigureOut">
               <a:rPr lang="en-SG" smtClean="0"/>
-              <a:t>4/3/2019</a:t>
+              <a:t>10/3/2019</a:t>
             </a:fld>
             <a:endParaRPr lang="en-SG"/>
           </a:p>
@@ -1153,7 +1168,7 @@
           <a:p>
             <a:fld id="{FD09C4DE-232F-4D24-8E78-9457AE5744AC}" type="datetimeFigureOut">
               <a:rPr lang="en-SG" smtClean="0"/>
-              <a:t>4/3/2019</a:t>
+              <a:t>10/3/2019</a:t>
             </a:fld>
             <a:endParaRPr lang="en-SG"/>
           </a:p>
@@ -1421,7 +1436,7 @@
           <a:p>
             <a:fld id="{FD09C4DE-232F-4D24-8E78-9457AE5744AC}" type="datetimeFigureOut">
               <a:rPr lang="en-SG" smtClean="0"/>
-              <a:t>4/3/2019</a:t>
+              <a:t>10/3/2019</a:t>
             </a:fld>
             <a:endParaRPr lang="en-SG"/>
           </a:p>
@@ -1836,7 +1851,7 @@
           <a:p>
             <a:fld id="{FD09C4DE-232F-4D24-8E78-9457AE5744AC}" type="datetimeFigureOut">
               <a:rPr lang="en-SG" smtClean="0"/>
-              <a:t>4/3/2019</a:t>
+              <a:t>10/3/2019</a:t>
             </a:fld>
             <a:endParaRPr lang="en-SG"/>
           </a:p>
@@ -1978,7 +1993,7 @@
           <a:p>
             <a:fld id="{FD09C4DE-232F-4D24-8E78-9457AE5744AC}" type="datetimeFigureOut">
               <a:rPr lang="en-SG" smtClean="0"/>
-              <a:t>4/3/2019</a:t>
+              <a:t>10/3/2019</a:t>
             </a:fld>
             <a:endParaRPr lang="en-SG"/>
           </a:p>
@@ -2091,7 +2106,7 @@
           <a:p>
             <a:fld id="{FD09C4DE-232F-4D24-8E78-9457AE5744AC}" type="datetimeFigureOut">
               <a:rPr lang="en-SG" smtClean="0"/>
-              <a:t>4/3/2019</a:t>
+              <a:t>10/3/2019</a:t>
             </a:fld>
             <a:endParaRPr lang="en-SG"/>
           </a:p>
@@ -2404,7 +2419,7 @@
           <a:p>
             <a:fld id="{FD09C4DE-232F-4D24-8E78-9457AE5744AC}" type="datetimeFigureOut">
               <a:rPr lang="en-SG" smtClean="0"/>
-              <a:t>4/3/2019</a:t>
+              <a:t>10/3/2019</a:t>
             </a:fld>
             <a:endParaRPr lang="en-SG"/>
           </a:p>
@@ -2693,7 +2708,7 @@
           <a:p>
             <a:fld id="{FD09C4DE-232F-4D24-8E78-9457AE5744AC}" type="datetimeFigureOut">
               <a:rPr lang="en-SG" smtClean="0"/>
-              <a:t>4/3/2019</a:t>
+              <a:t>10/3/2019</a:t>
             </a:fld>
             <a:endParaRPr lang="en-SG"/>
           </a:p>
@@ -2936,7 +2951,7 @@
           <a:p>
             <a:fld id="{FD09C4DE-232F-4D24-8E78-9457AE5744AC}" type="datetimeFigureOut">
               <a:rPr lang="en-SG" smtClean="0"/>
-              <a:t>4/3/2019</a:t>
+              <a:t>10/3/2019</a:t>
             </a:fld>
             <a:endParaRPr lang="en-SG"/>
           </a:p>
@@ -4521,6 +4536,816 @@
 </p:sld>
 </file>
 
+<file path=ppt/slides/slide2.xml><?xml version="1.0" encoding="utf-8"?>
+<p:sld xmlns:a="http://schemas.openxmlformats.org/drawingml/2006/main" xmlns:r="http://schemas.openxmlformats.org/officeDocument/2006/relationships" xmlns:p="http://schemas.openxmlformats.org/presentationml/2006/main">
+  <p:cSld>
+    <p:spTree>
+      <p:nvGrpSpPr>
+        <p:cNvPr id="1" name=""/>
+        <p:cNvGrpSpPr/>
+        <p:nvPr/>
+      </p:nvGrpSpPr>
+      <p:grpSpPr>
+        <a:xfrm>
+          <a:off x="0" y="0"/>
+          <a:ext cx="0" cy="0"/>
+          <a:chOff x="0" y="0"/>
+          <a:chExt cx="0" cy="0"/>
+        </a:xfrm>
+      </p:grpSpPr>
+      <p:grpSp>
+        <p:nvGrpSpPr>
+          <p:cNvPr id="7" name="Group 6">
+            <a:extLst>
+              <a:ext uri="{FF2B5EF4-FFF2-40B4-BE49-F238E27FC236}">
+                <a16:creationId xmlns:a16="http://schemas.microsoft.com/office/drawing/2014/main" id="{672A664D-9DBF-4541-BB43-DD9FC13C6154}"/>
+              </a:ext>
+            </a:extLst>
+          </p:cNvPr>
+          <p:cNvGrpSpPr/>
+          <p:nvPr/>
+        </p:nvGrpSpPr>
+        <p:grpSpPr>
+          <a:xfrm>
+            <a:off x="274398" y="1369465"/>
+            <a:ext cx="12003308" cy="3342235"/>
+            <a:chOff x="141049" y="42315"/>
+            <a:chExt cx="6739886" cy="1876673"/>
+          </a:xfrm>
+        </p:grpSpPr>
+        <p:pic>
+          <p:nvPicPr>
+            <p:cNvPr id="4" name="Picture 3">
+              <a:extLst>
+                <a:ext uri="{FF2B5EF4-FFF2-40B4-BE49-F238E27FC236}">
+                  <a16:creationId xmlns:a16="http://schemas.microsoft.com/office/drawing/2014/main" id="{AEC52423-4275-4DEE-B852-1E278A43C4BF}"/>
+                </a:ext>
+              </a:extLst>
+            </p:cNvPr>
+            <p:cNvPicPr/>
+            <p:nvPr/>
+          </p:nvPicPr>
+          <p:blipFill>
+            <a:blip r:embed="rId2"/>
+            <a:stretch>
+              <a:fillRect/>
+            </a:stretch>
+          </p:blipFill>
+          <p:spPr>
+            <a:xfrm>
+              <a:off x="141049" y="42315"/>
+              <a:ext cx="2246633" cy="1876504"/>
+            </a:xfrm>
+            <a:prstGeom prst="rect">
+              <a:avLst/>
+            </a:prstGeom>
+          </p:spPr>
+        </p:pic>
+        <p:pic>
+          <p:nvPicPr>
+            <p:cNvPr id="5" name="Picture 4">
+              <a:extLst>
+                <a:ext uri="{FF2B5EF4-FFF2-40B4-BE49-F238E27FC236}">
+                  <a16:creationId xmlns:a16="http://schemas.microsoft.com/office/drawing/2014/main" id="{2EA6CDFC-E5B1-411A-9DD0-224EF8056F64}"/>
+                </a:ext>
+              </a:extLst>
+            </p:cNvPr>
+            <p:cNvPicPr/>
+            <p:nvPr/>
+          </p:nvPicPr>
+          <p:blipFill>
+            <a:blip r:embed="rId3"/>
+            <a:stretch>
+              <a:fillRect/>
+            </a:stretch>
+          </p:blipFill>
+          <p:spPr>
+            <a:xfrm>
+              <a:off x="2387682" y="42316"/>
+              <a:ext cx="2246633" cy="1876672"/>
+            </a:xfrm>
+            <a:prstGeom prst="rect">
+              <a:avLst/>
+            </a:prstGeom>
+          </p:spPr>
+        </p:pic>
+        <p:pic>
+          <p:nvPicPr>
+            <p:cNvPr id="6" name="Picture 5">
+              <a:extLst>
+                <a:ext uri="{FF2B5EF4-FFF2-40B4-BE49-F238E27FC236}">
+                  <a16:creationId xmlns:a16="http://schemas.microsoft.com/office/drawing/2014/main" id="{E46819B6-8640-4763-B066-F55A85C0DC36}"/>
+                </a:ext>
+              </a:extLst>
+            </p:cNvPr>
+            <p:cNvPicPr/>
+            <p:nvPr/>
+          </p:nvPicPr>
+          <p:blipFill>
+            <a:blip r:embed="rId4"/>
+            <a:stretch>
+              <a:fillRect/>
+            </a:stretch>
+          </p:blipFill>
+          <p:spPr>
+            <a:xfrm>
+              <a:off x="4634315" y="42316"/>
+              <a:ext cx="2246620" cy="1876504"/>
+            </a:xfrm>
+            <a:prstGeom prst="rect">
+              <a:avLst/>
+            </a:prstGeom>
+          </p:spPr>
+        </p:pic>
+      </p:grpSp>
+    </p:spTree>
+    <p:extLst>
+      <p:ext uri="{BB962C8B-B14F-4D97-AF65-F5344CB8AC3E}">
+        <p14:creationId xmlns:p14="http://schemas.microsoft.com/office/powerpoint/2010/main" val="2854144153"/>
+      </p:ext>
+    </p:extLst>
+  </p:cSld>
+  <p:clrMapOvr>
+    <a:masterClrMapping/>
+  </p:clrMapOvr>
+</p:sld>
+</file>
+
+<file path=ppt/slides/slide3.xml><?xml version="1.0" encoding="utf-8"?>
+<p:sld xmlns:a="http://schemas.openxmlformats.org/drawingml/2006/main" xmlns:r="http://schemas.openxmlformats.org/officeDocument/2006/relationships" xmlns:p="http://schemas.openxmlformats.org/presentationml/2006/main">
+  <p:cSld>
+    <p:spTree>
+      <p:nvGrpSpPr>
+        <p:cNvPr id="1" name=""/>
+        <p:cNvGrpSpPr/>
+        <p:nvPr/>
+      </p:nvGrpSpPr>
+      <p:grpSpPr>
+        <a:xfrm>
+          <a:off x="0" y="0"/>
+          <a:ext cx="0" cy="0"/>
+          <a:chOff x="0" y="0"/>
+          <a:chExt cx="0" cy="0"/>
+        </a:xfrm>
+      </p:grpSpPr>
+      <p:grpSp>
+        <p:nvGrpSpPr>
+          <p:cNvPr id="7" name="Group 6">
+            <a:extLst>
+              <a:ext uri="{FF2B5EF4-FFF2-40B4-BE49-F238E27FC236}">
+                <a16:creationId xmlns:a16="http://schemas.microsoft.com/office/drawing/2014/main" id="{50969821-DEEF-4536-B06F-BE0A6A7E3DFE}"/>
+              </a:ext>
+            </a:extLst>
+          </p:cNvPr>
+          <p:cNvGrpSpPr/>
+          <p:nvPr/>
+        </p:nvGrpSpPr>
+        <p:grpSpPr>
+          <a:xfrm>
+            <a:off x="0" y="1590990"/>
+            <a:ext cx="11498897" cy="3180717"/>
+            <a:chOff x="0" y="1590990"/>
+            <a:chExt cx="11498897" cy="3180717"/>
+          </a:xfrm>
+        </p:grpSpPr>
+        <p:pic>
+          <p:nvPicPr>
+            <p:cNvPr id="4" name="Picture 3">
+              <a:extLst>
+                <a:ext uri="{FF2B5EF4-FFF2-40B4-BE49-F238E27FC236}">
+                  <a16:creationId xmlns:a16="http://schemas.microsoft.com/office/drawing/2014/main" id="{C09744CA-7BED-412D-9DEF-0BD81313EDBF}"/>
+                </a:ext>
+              </a:extLst>
+            </p:cNvPr>
+            <p:cNvPicPr/>
+            <p:nvPr/>
+          </p:nvPicPr>
+          <p:blipFill>
+            <a:blip r:embed="rId2"/>
+            <a:stretch>
+              <a:fillRect/>
+            </a:stretch>
+          </p:blipFill>
+          <p:spPr>
+            <a:xfrm>
+              <a:off x="0" y="1590992"/>
+              <a:ext cx="3809365" cy="3180715"/>
+            </a:xfrm>
+            <a:prstGeom prst="rect">
+              <a:avLst/>
+            </a:prstGeom>
+          </p:spPr>
+        </p:pic>
+        <p:pic>
+          <p:nvPicPr>
+            <p:cNvPr id="5" name="Picture 4">
+              <a:extLst>
+                <a:ext uri="{FF2B5EF4-FFF2-40B4-BE49-F238E27FC236}">
+                  <a16:creationId xmlns:a16="http://schemas.microsoft.com/office/drawing/2014/main" id="{417EBE26-55E5-4373-8DB4-BFCABA099B2B}"/>
+                </a:ext>
+              </a:extLst>
+            </p:cNvPr>
+            <p:cNvPicPr/>
+            <p:nvPr/>
+          </p:nvPicPr>
+          <p:blipFill>
+            <a:blip r:embed="rId3"/>
+            <a:stretch>
+              <a:fillRect/>
+            </a:stretch>
+          </p:blipFill>
+          <p:spPr>
+            <a:xfrm>
+              <a:off x="3880167" y="1590991"/>
+              <a:ext cx="3809365" cy="3180715"/>
+            </a:xfrm>
+            <a:prstGeom prst="rect">
+              <a:avLst/>
+            </a:prstGeom>
+          </p:spPr>
+        </p:pic>
+        <p:pic>
+          <p:nvPicPr>
+            <p:cNvPr id="6" name="Picture 5">
+              <a:extLst>
+                <a:ext uri="{FF2B5EF4-FFF2-40B4-BE49-F238E27FC236}">
+                  <a16:creationId xmlns:a16="http://schemas.microsoft.com/office/drawing/2014/main" id="{B3D6110B-E55F-48C1-820F-69B191278157}"/>
+                </a:ext>
+              </a:extLst>
+            </p:cNvPr>
+            <p:cNvPicPr/>
+            <p:nvPr/>
+          </p:nvPicPr>
+          <p:blipFill>
+            <a:blip r:embed="rId4"/>
+            <a:stretch>
+              <a:fillRect/>
+            </a:stretch>
+          </p:blipFill>
+          <p:spPr>
+            <a:xfrm>
+              <a:off x="7689532" y="1590990"/>
+              <a:ext cx="3809365" cy="3180715"/>
+            </a:xfrm>
+            <a:prstGeom prst="rect">
+              <a:avLst/>
+            </a:prstGeom>
+          </p:spPr>
+        </p:pic>
+      </p:grpSp>
+    </p:spTree>
+    <p:extLst>
+      <p:ext uri="{BB962C8B-B14F-4D97-AF65-F5344CB8AC3E}">
+        <p14:creationId xmlns:p14="http://schemas.microsoft.com/office/powerpoint/2010/main" val="2358119527"/>
+      </p:ext>
+    </p:extLst>
+  </p:cSld>
+  <p:clrMapOvr>
+    <a:masterClrMapping/>
+  </p:clrMapOvr>
+</p:sld>
+</file>
+
+<file path=ppt/slides/slide4.xml><?xml version="1.0" encoding="utf-8"?>
+<p:sld xmlns:a="http://schemas.openxmlformats.org/drawingml/2006/main" xmlns:r="http://schemas.openxmlformats.org/officeDocument/2006/relationships" xmlns:p="http://schemas.openxmlformats.org/presentationml/2006/main">
+  <p:cSld>
+    <p:spTree>
+      <p:nvGrpSpPr>
+        <p:cNvPr id="1" name=""/>
+        <p:cNvGrpSpPr/>
+        <p:nvPr/>
+      </p:nvGrpSpPr>
+      <p:grpSpPr>
+        <a:xfrm>
+          <a:off x="0" y="0"/>
+          <a:ext cx="0" cy="0"/>
+          <a:chOff x="0" y="0"/>
+          <a:chExt cx="0" cy="0"/>
+        </a:xfrm>
+      </p:grpSpPr>
+      <p:grpSp>
+        <p:nvGrpSpPr>
+          <p:cNvPr id="7" name="Group 6">
+            <a:extLst>
+              <a:ext uri="{FF2B5EF4-FFF2-40B4-BE49-F238E27FC236}">
+                <a16:creationId xmlns:a16="http://schemas.microsoft.com/office/drawing/2014/main" id="{50AD42CF-61ED-4AED-A20B-AD3C36416D1D}"/>
+              </a:ext>
+            </a:extLst>
+          </p:cNvPr>
+          <p:cNvGrpSpPr/>
+          <p:nvPr/>
+        </p:nvGrpSpPr>
+        <p:grpSpPr>
+          <a:xfrm>
+            <a:off x="285750" y="1501775"/>
+            <a:ext cx="9958212" cy="3180715"/>
+            <a:chOff x="285750" y="1501775"/>
+            <a:chExt cx="9958212" cy="3180715"/>
+          </a:xfrm>
+        </p:grpSpPr>
+        <p:pic>
+          <p:nvPicPr>
+            <p:cNvPr id="4" name="Picture 3">
+              <a:extLst>
+                <a:ext uri="{FF2B5EF4-FFF2-40B4-BE49-F238E27FC236}">
+                  <a16:creationId xmlns:a16="http://schemas.microsoft.com/office/drawing/2014/main" id="{D54E55E8-2E8D-47D7-9C41-3DA245CCF158}"/>
+                </a:ext>
+              </a:extLst>
+            </p:cNvPr>
+            <p:cNvPicPr/>
+            <p:nvPr/>
+          </p:nvPicPr>
+          <p:blipFill>
+            <a:blip r:embed="rId2"/>
+            <a:stretch>
+              <a:fillRect/>
+            </a:stretch>
+          </p:blipFill>
+          <p:spPr>
+            <a:xfrm>
+              <a:off x="285750" y="1501775"/>
+              <a:ext cx="2667000" cy="2990850"/>
+            </a:xfrm>
+            <a:prstGeom prst="rect">
+              <a:avLst/>
+            </a:prstGeom>
+          </p:spPr>
+        </p:pic>
+        <p:pic>
+          <p:nvPicPr>
+            <p:cNvPr id="5" name="Picture 4">
+              <a:extLst>
+                <a:ext uri="{FF2B5EF4-FFF2-40B4-BE49-F238E27FC236}">
+                  <a16:creationId xmlns:a16="http://schemas.microsoft.com/office/drawing/2014/main" id="{C8CBD3A2-D275-4DB6-9311-E6D671A12112}"/>
+                </a:ext>
+              </a:extLst>
+            </p:cNvPr>
+            <p:cNvPicPr/>
+            <p:nvPr/>
+          </p:nvPicPr>
+          <p:blipFill>
+            <a:blip r:embed="rId3"/>
+            <a:stretch>
+              <a:fillRect/>
+            </a:stretch>
+          </p:blipFill>
+          <p:spPr>
+            <a:xfrm>
+              <a:off x="3080067" y="1501775"/>
+              <a:ext cx="3227213" cy="2689225"/>
+            </a:xfrm>
+            <a:prstGeom prst="rect">
+              <a:avLst/>
+            </a:prstGeom>
+          </p:spPr>
+        </p:pic>
+        <p:pic>
+          <p:nvPicPr>
+            <p:cNvPr id="6" name="Picture 5">
+              <a:extLst>
+                <a:ext uri="{FF2B5EF4-FFF2-40B4-BE49-F238E27FC236}">
+                  <a16:creationId xmlns:a16="http://schemas.microsoft.com/office/drawing/2014/main" id="{C50BA4AA-3C7C-4913-96D7-E4365AA3929E}"/>
+                </a:ext>
+              </a:extLst>
+            </p:cNvPr>
+            <p:cNvPicPr/>
+            <p:nvPr/>
+          </p:nvPicPr>
+          <p:blipFill>
+            <a:blip r:embed="rId4"/>
+            <a:stretch>
+              <a:fillRect/>
+            </a:stretch>
+          </p:blipFill>
+          <p:spPr>
+            <a:xfrm>
+              <a:off x="6434597" y="1501775"/>
+              <a:ext cx="3809365" cy="3180715"/>
+            </a:xfrm>
+            <a:prstGeom prst="rect">
+              <a:avLst/>
+            </a:prstGeom>
+          </p:spPr>
+        </p:pic>
+      </p:grpSp>
+    </p:spTree>
+    <p:extLst>
+      <p:ext uri="{BB962C8B-B14F-4D97-AF65-F5344CB8AC3E}">
+        <p14:creationId xmlns:p14="http://schemas.microsoft.com/office/powerpoint/2010/main" val="3749280627"/>
+      </p:ext>
+    </p:extLst>
+  </p:cSld>
+  <p:clrMapOvr>
+    <a:masterClrMapping/>
+  </p:clrMapOvr>
+</p:sld>
+</file>
+
+<file path=ppt/slides/slide5.xml><?xml version="1.0" encoding="utf-8"?>
+<p:sld xmlns:a="http://schemas.openxmlformats.org/drawingml/2006/main" xmlns:r="http://schemas.openxmlformats.org/officeDocument/2006/relationships" xmlns:p="http://schemas.openxmlformats.org/presentationml/2006/main">
+  <p:cSld>
+    <p:spTree>
+      <p:nvGrpSpPr>
+        <p:cNvPr id="1" name=""/>
+        <p:cNvGrpSpPr/>
+        <p:nvPr/>
+      </p:nvGrpSpPr>
+      <p:grpSpPr>
+        <a:xfrm>
+          <a:off x="0" y="0"/>
+          <a:ext cx="0" cy="0"/>
+          <a:chOff x="0" y="0"/>
+          <a:chExt cx="0" cy="0"/>
+        </a:xfrm>
+      </p:grpSpPr>
+      <p:grpSp>
+        <p:nvGrpSpPr>
+          <p:cNvPr id="7" name="Group 6">
+            <a:extLst>
+              <a:ext uri="{FF2B5EF4-FFF2-40B4-BE49-F238E27FC236}">
+                <a16:creationId xmlns:a16="http://schemas.microsoft.com/office/drawing/2014/main" id="{B16EF4CB-069A-4D29-8C1F-04E20B9FC3F6}"/>
+              </a:ext>
+            </a:extLst>
+          </p:cNvPr>
+          <p:cNvGrpSpPr/>
+          <p:nvPr/>
+        </p:nvGrpSpPr>
+        <p:grpSpPr>
+          <a:xfrm>
+            <a:off x="597217" y="1527492"/>
+            <a:ext cx="11365735" cy="3180715"/>
+            <a:chOff x="597217" y="1527492"/>
+            <a:chExt cx="11365735" cy="3180715"/>
+          </a:xfrm>
+        </p:grpSpPr>
+        <p:pic>
+          <p:nvPicPr>
+            <p:cNvPr id="4" name="Picture 3">
+              <a:extLst>
+                <a:ext uri="{FF2B5EF4-FFF2-40B4-BE49-F238E27FC236}">
+                  <a16:creationId xmlns:a16="http://schemas.microsoft.com/office/drawing/2014/main" id="{7892CB51-3335-4D69-85F6-F9BB26906ED5}"/>
+                </a:ext>
+              </a:extLst>
+            </p:cNvPr>
+            <p:cNvPicPr/>
+            <p:nvPr/>
+          </p:nvPicPr>
+          <p:blipFill>
+            <a:blip r:embed="rId2"/>
+            <a:stretch>
+              <a:fillRect/>
+            </a:stretch>
+          </p:blipFill>
+          <p:spPr>
+            <a:xfrm>
+              <a:off x="597217" y="1527492"/>
+              <a:ext cx="3809365" cy="3180715"/>
+            </a:xfrm>
+            <a:prstGeom prst="rect">
+              <a:avLst/>
+            </a:prstGeom>
+          </p:spPr>
+        </p:pic>
+        <p:pic>
+          <p:nvPicPr>
+            <p:cNvPr id="5" name="Picture 4">
+              <a:extLst>
+                <a:ext uri="{FF2B5EF4-FFF2-40B4-BE49-F238E27FC236}">
+                  <a16:creationId xmlns:a16="http://schemas.microsoft.com/office/drawing/2014/main" id="{D012DB63-0CD4-46F8-865B-7D6B88AB3E65}"/>
+                </a:ext>
+              </a:extLst>
+            </p:cNvPr>
+            <p:cNvPicPr/>
+            <p:nvPr/>
+          </p:nvPicPr>
+          <p:blipFill>
+            <a:blip r:embed="rId3"/>
+            <a:stretch>
+              <a:fillRect/>
+            </a:stretch>
+          </p:blipFill>
+          <p:spPr>
+            <a:xfrm>
+              <a:off x="4452937" y="1527492"/>
+              <a:ext cx="3654295" cy="3050858"/>
+            </a:xfrm>
+            <a:prstGeom prst="rect">
+              <a:avLst/>
+            </a:prstGeom>
+          </p:spPr>
+        </p:pic>
+        <p:pic>
+          <p:nvPicPr>
+            <p:cNvPr id="6" name="Picture 5">
+              <a:extLst>
+                <a:ext uri="{FF2B5EF4-FFF2-40B4-BE49-F238E27FC236}">
+                  <a16:creationId xmlns:a16="http://schemas.microsoft.com/office/drawing/2014/main" id="{286F8A36-AF5C-4EDE-85B6-550950E743F1}"/>
+                </a:ext>
+              </a:extLst>
+            </p:cNvPr>
+            <p:cNvPicPr/>
+            <p:nvPr/>
+          </p:nvPicPr>
+          <p:blipFill>
+            <a:blip r:embed="rId4"/>
+            <a:stretch>
+              <a:fillRect/>
+            </a:stretch>
+          </p:blipFill>
+          <p:spPr>
+            <a:xfrm>
+              <a:off x="8153587" y="1527492"/>
+              <a:ext cx="3809365" cy="3180715"/>
+            </a:xfrm>
+            <a:prstGeom prst="rect">
+              <a:avLst/>
+            </a:prstGeom>
+          </p:spPr>
+        </p:pic>
+      </p:grpSp>
+    </p:spTree>
+    <p:extLst>
+      <p:ext uri="{BB962C8B-B14F-4D97-AF65-F5344CB8AC3E}">
+        <p14:creationId xmlns:p14="http://schemas.microsoft.com/office/powerpoint/2010/main" val="3004666195"/>
+      </p:ext>
+    </p:extLst>
+  </p:cSld>
+  <p:clrMapOvr>
+    <a:masterClrMapping/>
+  </p:clrMapOvr>
+</p:sld>
+</file>
+
+<file path=ppt/slides/slide6.xml><?xml version="1.0" encoding="utf-8"?>
+<p:sld xmlns:a="http://schemas.openxmlformats.org/drawingml/2006/main" xmlns:r="http://schemas.openxmlformats.org/officeDocument/2006/relationships" xmlns:p="http://schemas.openxmlformats.org/presentationml/2006/main">
+  <p:cSld>
+    <p:spTree>
+      <p:nvGrpSpPr>
+        <p:cNvPr id="1" name=""/>
+        <p:cNvGrpSpPr/>
+        <p:nvPr/>
+      </p:nvGrpSpPr>
+      <p:grpSpPr>
+        <a:xfrm>
+          <a:off x="0" y="0"/>
+          <a:ext cx="0" cy="0"/>
+          <a:chOff x="0" y="0"/>
+          <a:chExt cx="0" cy="0"/>
+        </a:xfrm>
+      </p:grpSpPr>
+      <p:grpSp>
+        <p:nvGrpSpPr>
+          <p:cNvPr id="7" name="Group 6">
+            <a:extLst>
+              <a:ext uri="{FF2B5EF4-FFF2-40B4-BE49-F238E27FC236}">
+                <a16:creationId xmlns:a16="http://schemas.microsoft.com/office/drawing/2014/main" id="{59F6CE20-850A-499A-9FD1-BF782A3A3392}"/>
+              </a:ext>
+            </a:extLst>
+          </p:cNvPr>
+          <p:cNvGrpSpPr/>
+          <p:nvPr/>
+        </p:nvGrpSpPr>
+        <p:grpSpPr>
+          <a:xfrm>
+            <a:off x="565467" y="1940240"/>
+            <a:ext cx="11383645" cy="3180717"/>
+            <a:chOff x="565467" y="1940240"/>
+            <a:chExt cx="11383645" cy="3180717"/>
+          </a:xfrm>
+        </p:grpSpPr>
+        <p:pic>
+          <p:nvPicPr>
+            <p:cNvPr id="4" name="Picture 3">
+              <a:extLst>
+                <a:ext uri="{FF2B5EF4-FFF2-40B4-BE49-F238E27FC236}">
+                  <a16:creationId xmlns:a16="http://schemas.microsoft.com/office/drawing/2014/main" id="{B48D04AD-A7D1-4523-99D5-E42734220B57}"/>
+                </a:ext>
+              </a:extLst>
+            </p:cNvPr>
+            <p:cNvPicPr/>
+            <p:nvPr/>
+          </p:nvPicPr>
+          <p:blipFill>
+            <a:blip r:embed="rId2"/>
+            <a:stretch>
+              <a:fillRect/>
+            </a:stretch>
+          </p:blipFill>
+          <p:spPr>
+            <a:xfrm>
+              <a:off x="565467" y="1940242"/>
+              <a:ext cx="3809365" cy="3180715"/>
+            </a:xfrm>
+            <a:prstGeom prst="rect">
+              <a:avLst/>
+            </a:prstGeom>
+          </p:spPr>
+        </p:pic>
+        <p:pic>
+          <p:nvPicPr>
+            <p:cNvPr id="5" name="Picture 4">
+              <a:extLst>
+                <a:ext uri="{FF2B5EF4-FFF2-40B4-BE49-F238E27FC236}">
+                  <a16:creationId xmlns:a16="http://schemas.microsoft.com/office/drawing/2014/main" id="{F503FCE8-7446-4868-A8DC-602A570E1120}"/>
+                </a:ext>
+              </a:extLst>
+            </p:cNvPr>
+            <p:cNvPicPr/>
+            <p:nvPr/>
+          </p:nvPicPr>
+          <p:blipFill>
+            <a:blip r:embed="rId3"/>
+            <a:stretch>
+              <a:fillRect/>
+            </a:stretch>
+          </p:blipFill>
+          <p:spPr>
+            <a:xfrm>
+              <a:off x="4330382" y="1940241"/>
+              <a:ext cx="3809365" cy="3180715"/>
+            </a:xfrm>
+            <a:prstGeom prst="rect">
+              <a:avLst/>
+            </a:prstGeom>
+          </p:spPr>
+        </p:pic>
+        <p:pic>
+          <p:nvPicPr>
+            <p:cNvPr id="6" name="Picture 5">
+              <a:extLst>
+                <a:ext uri="{FF2B5EF4-FFF2-40B4-BE49-F238E27FC236}">
+                  <a16:creationId xmlns:a16="http://schemas.microsoft.com/office/drawing/2014/main" id="{FE4CEDAD-9D56-44D0-8860-C42EAB0FA072}"/>
+                </a:ext>
+              </a:extLst>
+            </p:cNvPr>
+            <p:cNvPicPr/>
+            <p:nvPr/>
+          </p:nvPicPr>
+          <p:blipFill>
+            <a:blip r:embed="rId4"/>
+            <a:stretch>
+              <a:fillRect/>
+            </a:stretch>
+          </p:blipFill>
+          <p:spPr>
+            <a:xfrm>
+              <a:off x="8139747" y="1940240"/>
+              <a:ext cx="3809365" cy="3180715"/>
+            </a:xfrm>
+            <a:prstGeom prst="rect">
+              <a:avLst/>
+            </a:prstGeom>
+          </p:spPr>
+        </p:pic>
+      </p:grpSp>
+    </p:spTree>
+    <p:extLst>
+      <p:ext uri="{BB962C8B-B14F-4D97-AF65-F5344CB8AC3E}">
+        <p14:creationId xmlns:p14="http://schemas.microsoft.com/office/powerpoint/2010/main" val="2401104290"/>
+      </p:ext>
+    </p:extLst>
+  </p:cSld>
+  <p:clrMapOvr>
+    <a:masterClrMapping/>
+  </p:clrMapOvr>
+</p:sld>
+</file>
+
+<file path=ppt/slides/slide7.xml><?xml version="1.0" encoding="utf-8"?>
+<p:sld xmlns:a="http://schemas.openxmlformats.org/drawingml/2006/main" xmlns:r="http://schemas.openxmlformats.org/officeDocument/2006/relationships" xmlns:p="http://schemas.openxmlformats.org/presentationml/2006/main">
+  <p:cSld>
+    <p:spTree>
+      <p:nvGrpSpPr>
+        <p:cNvPr id="1" name=""/>
+        <p:cNvGrpSpPr/>
+        <p:nvPr/>
+      </p:nvGrpSpPr>
+      <p:grpSpPr>
+        <a:xfrm>
+          <a:off x="0" y="0"/>
+          <a:ext cx="0" cy="0"/>
+          <a:chOff x="0" y="0"/>
+          <a:chExt cx="0" cy="0"/>
+        </a:xfrm>
+      </p:grpSpPr>
+      <p:grpSp>
+        <p:nvGrpSpPr>
+          <p:cNvPr id="7" name="Group 6">
+            <a:extLst>
+              <a:ext uri="{FF2B5EF4-FFF2-40B4-BE49-F238E27FC236}">
+                <a16:creationId xmlns:a16="http://schemas.microsoft.com/office/drawing/2014/main" id="{E6E202F2-638A-4C47-AC33-232EF86F09F2}"/>
+              </a:ext>
+            </a:extLst>
+          </p:cNvPr>
+          <p:cNvGrpSpPr/>
+          <p:nvPr/>
+        </p:nvGrpSpPr>
+        <p:grpSpPr>
+          <a:xfrm>
+            <a:off x="209867" y="1673540"/>
+            <a:ext cx="11428095" cy="3180717"/>
+            <a:chOff x="209867" y="1673540"/>
+            <a:chExt cx="11428095" cy="3180717"/>
+          </a:xfrm>
+        </p:grpSpPr>
+        <p:pic>
+          <p:nvPicPr>
+            <p:cNvPr id="4" name="Picture 3">
+              <a:extLst>
+                <a:ext uri="{FF2B5EF4-FFF2-40B4-BE49-F238E27FC236}">
+                  <a16:creationId xmlns:a16="http://schemas.microsoft.com/office/drawing/2014/main" id="{276E7EE2-0F2F-4837-BFAD-CFE29D230432}"/>
+                </a:ext>
+              </a:extLst>
+            </p:cNvPr>
+            <p:cNvPicPr/>
+            <p:nvPr/>
+          </p:nvPicPr>
+          <p:blipFill>
+            <a:blip r:embed="rId2"/>
+            <a:stretch>
+              <a:fillRect/>
+            </a:stretch>
+          </p:blipFill>
+          <p:spPr>
+            <a:xfrm>
+              <a:off x="209867" y="1673542"/>
+              <a:ext cx="3809365" cy="3180715"/>
+            </a:xfrm>
+            <a:prstGeom prst="rect">
+              <a:avLst/>
+            </a:prstGeom>
+          </p:spPr>
+        </p:pic>
+        <p:pic>
+          <p:nvPicPr>
+            <p:cNvPr id="5" name="Picture 4">
+              <a:extLst>
+                <a:ext uri="{FF2B5EF4-FFF2-40B4-BE49-F238E27FC236}">
+                  <a16:creationId xmlns:a16="http://schemas.microsoft.com/office/drawing/2014/main" id="{A6CE7AE7-C4F5-4B98-8E0C-21492BFC654B}"/>
+                </a:ext>
+              </a:extLst>
+            </p:cNvPr>
+            <p:cNvPicPr/>
+            <p:nvPr/>
+          </p:nvPicPr>
+          <p:blipFill>
+            <a:blip r:embed="rId3"/>
+            <a:stretch>
+              <a:fillRect/>
+            </a:stretch>
+          </p:blipFill>
+          <p:spPr>
+            <a:xfrm>
+              <a:off x="4019232" y="1673541"/>
+              <a:ext cx="3809365" cy="3180715"/>
+            </a:xfrm>
+            <a:prstGeom prst="rect">
+              <a:avLst/>
+            </a:prstGeom>
+          </p:spPr>
+        </p:pic>
+        <p:pic>
+          <p:nvPicPr>
+            <p:cNvPr id="6" name="Picture 5">
+              <a:extLst>
+                <a:ext uri="{FF2B5EF4-FFF2-40B4-BE49-F238E27FC236}">
+                  <a16:creationId xmlns:a16="http://schemas.microsoft.com/office/drawing/2014/main" id="{E6273E5B-2D6D-45A8-B0C3-4EB4CBD8548B}"/>
+                </a:ext>
+              </a:extLst>
+            </p:cNvPr>
+            <p:cNvPicPr/>
+            <p:nvPr/>
+          </p:nvPicPr>
+          <p:blipFill>
+            <a:blip r:embed="rId4"/>
+            <a:stretch>
+              <a:fillRect/>
+            </a:stretch>
+          </p:blipFill>
+          <p:spPr>
+            <a:xfrm>
+              <a:off x="7828597" y="1673540"/>
+              <a:ext cx="3809365" cy="3180715"/>
+            </a:xfrm>
+            <a:prstGeom prst="rect">
+              <a:avLst/>
+            </a:prstGeom>
+          </p:spPr>
+        </p:pic>
+      </p:grpSp>
+    </p:spTree>
+    <p:extLst>
+      <p:ext uri="{BB962C8B-B14F-4D97-AF65-F5344CB8AC3E}">
+        <p14:creationId xmlns:p14="http://schemas.microsoft.com/office/powerpoint/2010/main" val="3041276290"/>
+      </p:ext>
+    </p:extLst>
+  </p:cSld>
+  <p:clrMapOvr>
+    <a:masterClrMapping/>
+  </p:clrMapOvr>
+</p:sld>
+</file>
+
 <file path=ppt/theme/theme1.xml><?xml version="1.0" encoding="utf-8"?>
 <a:theme xmlns:a="http://schemas.openxmlformats.org/drawingml/2006/main" name="Office Theme">
   <a:themeElements>
